--- a/ASU-QUB_Challenge_Submission_template.pptx
+++ b/ASU-QUB_Challenge_Submission_template.pptx
@@ -5,16 +5,17 @@
     <p:sldMasterId id="2147483660" r:id="rId1"/>
   </p:sldMasterIdLst>
   <p:notesMasterIdLst>
-    <p:notesMasterId r:id="rId9"/>
+    <p:notesMasterId r:id="rId10"/>
   </p:notesMasterIdLst>
   <p:sldIdLst>
     <p:sldId id="382" r:id="rId2"/>
-    <p:sldId id="384" r:id="rId3"/>
-    <p:sldId id="383" r:id="rId4"/>
-    <p:sldId id="386" r:id="rId5"/>
-    <p:sldId id="387" r:id="rId6"/>
-    <p:sldId id="389" r:id="rId7"/>
+    <p:sldId id="383" r:id="rId3"/>
+    <p:sldId id="384" r:id="rId4"/>
+    <p:sldId id="385" r:id="rId5"/>
+    <p:sldId id="386" r:id="rId6"/>
+    <p:sldId id="387" r:id="rId7"/>
     <p:sldId id="388" r:id="rId8"/>
+    <p:sldId id="389" r:id="rId9"/>
   </p:sldIdLst>
   <p:sldSz cx="9144000" cy="5715000" type="screen16x10"/>
   <p:notesSz cx="6858000" cy="9144000"/>
@@ -145,7 +146,7 @@
   </p:defaultTextStyle>
   <p:extLst>
     <p:ext uri="{EFAFB233-063F-42B5-8137-9DF3F51BA10A}">
-      <p15:sldGuideLst xmlns:p15="http://schemas.microsoft.com/office/powerpoint/2012/main" xmlns="">
+      <p15:sldGuideLst xmlns:p15="http://schemas.microsoft.com/office/powerpoint/2012/main">
         <p15:guide id="1" orient="horz" pos="1800" userDrawn="1">
           <p15:clr>
             <a:srgbClr val="A4A3A4"/>
@@ -159,7 +160,7 @@
       </p15:sldGuideLst>
     </p:ext>
     <p:ext uri="{2D200454-40CA-4A62-9FC3-DE9A4176ACB9}">
-      <p15:notesGuideLst xmlns:p15="http://schemas.microsoft.com/office/powerpoint/2012/main" xmlns="">
+      <p15:notesGuideLst xmlns:p15="http://schemas.microsoft.com/office/powerpoint/2012/main">
         <p15:guide id="1" orient="horz" pos="2880">
           <p15:clr>
             <a:srgbClr val="A4A3A4"/>
@@ -278,7 +279,7 @@
               <a:pPr>
                 <a:defRPr/>
               </a:pPr>
-              <a:t>2/3/2016</a:t>
+              <a:t>2/8/2016</a:t>
             </a:fld>
             <a:endParaRPr lang="en-US" altLang="en-US" dirty="0"/>
           </a:p>
@@ -594,6 +595,112 @@
 </p:notesMaster>
 </file>
 
+<file path=ppt/notesSlides/notesSlide1.xml><?xml version="1.0" encoding="utf-8"?>
+<p:notes xmlns:a="http://schemas.openxmlformats.org/drawingml/2006/main" xmlns:r="http://schemas.openxmlformats.org/officeDocument/2006/relationships" xmlns:p="http://schemas.openxmlformats.org/presentationml/2006/main">
+  <p:cSld>
+    <p:spTree>
+      <p:nvGrpSpPr>
+        <p:cNvPr id="1" name=""/>
+        <p:cNvGrpSpPr/>
+        <p:nvPr/>
+      </p:nvGrpSpPr>
+      <p:grpSpPr>
+        <a:xfrm>
+          <a:off x="0" y="0"/>
+          <a:ext cx="0" cy="0"/>
+          <a:chOff x="0" y="0"/>
+          <a:chExt cx="0" cy="0"/>
+        </a:xfrm>
+      </p:grpSpPr>
+      <p:sp>
+        <p:nvSpPr>
+          <p:cNvPr id="2" name="Slide Image Placeholder 1"/>
+          <p:cNvSpPr>
+            <a:spLocks noGrp="1" noRot="1" noChangeAspect="1"/>
+          </p:cNvSpPr>
+          <p:nvPr>
+            <p:ph type="sldImg"/>
+          </p:nvPr>
+        </p:nvSpPr>
+        <p:spPr/>
+      </p:sp>
+      <p:sp>
+        <p:nvSpPr>
+          <p:cNvPr id="3" name="Notes Placeholder 2"/>
+          <p:cNvSpPr>
+            <a:spLocks noGrp="1"/>
+          </p:cNvSpPr>
+          <p:nvPr>
+            <p:ph type="body" idx="1"/>
+          </p:nvPr>
+        </p:nvSpPr>
+        <p:spPr/>
+        <p:txBody>
+          <a:bodyPr/>
+          <a:lstStyle/>
+          <a:p>
+            <a:r>
+              <a:rPr lang="en-US" dirty="0" smtClean="0"/>
+              <a:t>If you don’t have a </a:t>
+            </a:r>
+            <a:r>
+              <a:rPr lang="en-US" dirty="0" err="1" smtClean="0"/>
+              <a:t>GitHub</a:t>
+            </a:r>
+            <a:r>
+              <a:rPr lang="en-US" baseline="0" dirty="0" smtClean="0"/>
+              <a:t> username</a:t>
+            </a:r>
+            <a:r>
+              <a:rPr lang="en-US" dirty="0" smtClean="0"/>
+              <a:t>, you’ll need to register at GitHub.com</a:t>
+            </a:r>
+            <a:endParaRPr lang="en-US" dirty="0"/>
+          </a:p>
+        </p:txBody>
+      </p:sp>
+      <p:sp>
+        <p:nvSpPr>
+          <p:cNvPr id="4" name="Slide Number Placeholder 3"/>
+          <p:cNvSpPr>
+            <a:spLocks noGrp="1"/>
+          </p:cNvSpPr>
+          <p:nvPr>
+            <p:ph type="sldNum" sz="quarter" idx="10"/>
+          </p:nvPr>
+        </p:nvSpPr>
+        <p:spPr/>
+        <p:txBody>
+          <a:bodyPr/>
+          <a:lstStyle/>
+          <a:p>
+            <a:pPr>
+              <a:defRPr/>
+            </a:pPr>
+            <a:fld id="{6C2F2F12-A9AE-49F6-9019-CDF078D8F79A}" type="slidenum">
+              <a:rPr lang="en-US" altLang="en-US" smtClean="0"/>
+              <a:pPr>
+                <a:defRPr/>
+              </a:pPr>
+              <a:t>8</a:t>
+            </a:fld>
+            <a:endParaRPr lang="en-US" altLang="en-US"/>
+          </a:p>
+        </p:txBody>
+      </p:sp>
+    </p:spTree>
+    <p:extLst>
+      <p:ext uri="{BB962C8B-B14F-4D97-AF65-F5344CB8AC3E}">
+        <p14:creationId xmlns:p14="http://schemas.microsoft.com/office/powerpoint/2010/main" val="3392458132"/>
+      </p:ext>
+    </p:extLst>
+  </p:cSld>
+  <p:clrMapOvr>
+    <a:masterClrMapping/>
+  </p:clrMapOvr>
+</p:notes>
+</file>
+
 <file path=ppt/slideLayouts/slideLayout1.xml><?xml version="1.0" encoding="utf-8"?>
 <p:sldLayout xmlns:a="http://schemas.openxmlformats.org/drawingml/2006/main" xmlns:r="http://schemas.openxmlformats.org/officeDocument/2006/relationships" xmlns:p="http://schemas.openxmlformats.org/presentationml/2006/main" type="title" preserve="1">
   <p:cSld name="Title Slide">
@@ -731,7 +838,7 @@
               <a:pPr>
                 <a:defRPr/>
               </a:pPr>
-              <a:t>2/3/2016</a:t>
+              <a:t>2/8/2016</a:t>
             </a:fld>
             <a:endParaRPr lang="en-US" altLang="en-US" dirty="0"/>
           </a:p>
@@ -923,7 +1030,7 @@
               <a:pPr>
                 <a:defRPr/>
               </a:pPr>
-              <a:t>2/3/2016</a:t>
+              <a:t>2/8/2016</a:t>
             </a:fld>
             <a:endParaRPr lang="en-US" altLang="en-US" dirty="0"/>
           </a:p>
@@ -1154,7 +1261,7 @@
               <a:pPr>
                 <a:defRPr/>
               </a:pPr>
-              <a:t>2/3/2016</a:t>
+              <a:t>2/8/2016</a:t>
             </a:fld>
             <a:endParaRPr lang="en-US" altLang="en-US" dirty="0"/>
           </a:p>
@@ -1388,7 +1495,7 @@
               <a:pPr>
                 <a:defRPr/>
               </a:pPr>
-              <a:t>2/3/2016</a:t>
+              <a:t>2/8/2016</a:t>
             </a:fld>
             <a:endParaRPr lang="en-US" altLang="en-US" dirty="0"/>
           </a:p>
@@ -1680,7 +1787,7 @@
               <a:pPr>
                 <a:defRPr/>
               </a:pPr>
-              <a:t>2/3/2016</a:t>
+              <a:t>2/8/2016</a:t>
             </a:fld>
             <a:endParaRPr lang="en-US" altLang="en-US" dirty="0"/>
           </a:p>
@@ -1958,7 +2065,7 @@
               <a:pPr>
                 <a:defRPr/>
               </a:pPr>
-              <a:t>2/3/2016</a:t>
+              <a:t>2/8/2016</a:t>
             </a:fld>
             <a:endParaRPr lang="en-US" altLang="en-US" dirty="0"/>
           </a:p>
@@ -2371,7 +2478,7 @@
               <a:pPr>
                 <a:defRPr/>
               </a:pPr>
-              <a:t>2/3/2016</a:t>
+              <a:t>2/8/2016</a:t>
             </a:fld>
             <a:endParaRPr lang="en-US" altLang="en-US" dirty="0"/>
           </a:p>
@@ -2535,7 +2642,7 @@
               <a:pPr>
                 <a:defRPr/>
               </a:pPr>
-              <a:t>2/3/2016</a:t>
+              <a:t>2/8/2016</a:t>
             </a:fld>
             <a:endParaRPr lang="en-US" altLang="en-US" dirty="0"/>
           </a:p>
@@ -2676,7 +2783,7 @@
               <a:pPr>
                 <a:defRPr/>
               </a:pPr>
-              <a:t>2/3/2016</a:t>
+              <a:t>2/8/2016</a:t>
             </a:fld>
             <a:endParaRPr lang="en-US" altLang="en-US" dirty="0"/>
           </a:p>
@@ -2999,7 +3106,7 @@
               <a:pPr>
                 <a:defRPr/>
               </a:pPr>
-              <a:t>2/3/2016</a:t>
+              <a:t>2/8/2016</a:t>
             </a:fld>
             <a:endParaRPr lang="en-US" altLang="en-US" dirty="0"/>
           </a:p>
@@ -3298,7 +3405,7 @@
               <a:pPr>
                 <a:defRPr/>
               </a:pPr>
-              <a:t>2/3/2016</a:t>
+              <a:t>2/8/2016</a:t>
             </a:fld>
             <a:endParaRPr lang="en-US" altLang="en-US" dirty="0"/>
           </a:p>
@@ -3557,7 +3664,7 @@
               <a:pPr>
                 <a:defRPr/>
               </a:pPr>
-              <a:t>2/3/2016</a:t>
+              <a:t>2/8/2016</a:t>
             </a:fld>
             <a:endParaRPr lang="en-US" altLang="en-US" dirty="0"/>
           </a:p>
@@ -4836,7 +4943,7 @@
           </p:cNvPicPr>
           <p:nvPr/>
         </p:nvPicPr>
-        <p:blipFill>
+        <p:blipFill rotWithShape="1">
           <a:blip r:embed="rId2">
             <a:extLst>
               <a:ext uri="{28A0092B-C50C-407E-A947-70E740481C1C}">
@@ -4844,23 +4951,27 @@
               </a:ext>
             </a:extLst>
           </a:blip>
-          <a:srcRect/>
-          <a:stretch>
-            <a:fillRect/>
-          </a:stretch>
+          <a:srcRect b="45318"/>
+          <a:stretch/>
         </p:blipFill>
         <p:spPr bwMode="auto">
           <a:xfrm>
             <a:off x="3581401" y="881899"/>
-            <a:ext cx="5007830" cy="3194802"/>
+            <a:ext cx="5007830" cy="1747001"/>
           </a:xfrm>
           <a:prstGeom prst="rect">
             <a:avLst/>
           </a:prstGeom>
-          <a:noFill/>
           <a:ln>
             <a:noFill/>
           </a:ln>
+          <a:effectLst>
+            <a:outerShdw blurRad="292100" dist="139700" dir="2700000" algn="tl" rotWithShape="0">
+              <a:srgbClr val="333333">
+                <a:alpha val="65000"/>
+              </a:srgbClr>
+            </a:outerShdw>
+          </a:effectLst>
           <a:extLst>
             <a:ext uri="{909E8E84-426E-40DD-AFC4-6F175D3DCCD1}">
               <a14:hiddenFill xmlns:a14="http://schemas.microsoft.com/office/drawing/2010/main">
@@ -4882,42 +4993,270 @@
           </a:extLst>
         </p:spPr>
       </p:pic>
-      <p:sp>
-        <p:nvSpPr>
-          <p:cNvPr id="3" name="TextBox 2"/>
-          <p:cNvSpPr txBox="1"/>
+      <p:pic>
+        <p:nvPicPr>
+          <p:cNvPr id="4" name="Picture 3"/>
+          <p:cNvPicPr>
+            <a:picLocks noChangeAspect="1"/>
+          </p:cNvPicPr>
           <p:nvPr/>
-        </p:nvSpPr>
+        </p:nvPicPr>
+        <p:blipFill>
+          <a:blip r:embed="rId3">
+            <a:extLst>
+              <a:ext uri="{28A0092B-C50C-407E-A947-70E740481C1C}">
+                <a14:useLocalDpi xmlns:a14="http://schemas.microsoft.com/office/drawing/2010/main" val="0"/>
+              </a:ext>
+            </a:extLst>
+          </a:blip>
+          <a:stretch>
+            <a:fillRect/>
+          </a:stretch>
+        </p:blipFill>
         <p:spPr>
           <a:xfrm>
-            <a:off x="5323316" y="2858867"/>
-            <a:ext cx="1524000" cy="1200329"/>
+            <a:off x="3537378" y="2710699"/>
+            <a:ext cx="5095875" cy="1895475"/>
           </a:xfrm>
           <a:prstGeom prst="rect">
             <a:avLst/>
           </a:prstGeom>
+          <a:ln>
+            <a:noFill/>
+          </a:ln>
+          <a:effectLst>
+            <a:outerShdw blurRad="292100" dist="139700" dir="2700000" algn="tl" rotWithShape="0">
+              <a:srgbClr val="333333">
+                <a:alpha val="65000"/>
+              </a:srgbClr>
+            </a:outerShdw>
+          </a:effectLst>
+        </p:spPr>
+      </p:pic>
+      <p:sp>
+        <p:nvSpPr>
+          <p:cNvPr id="8" name="Rounded Rectangle 7"/>
+          <p:cNvSpPr/>
+          <p:nvPr/>
+        </p:nvSpPr>
+        <p:spPr>
+          <a:xfrm>
+            <a:off x="628650" y="2869572"/>
+            <a:ext cx="2653307" cy="1715820"/>
+          </a:xfrm>
+          <a:prstGeom prst="roundRect">
+            <a:avLst>
+              <a:gd name="adj" fmla="val 3535"/>
+            </a:avLst>
+          </a:prstGeom>
           <a:solidFill>
-            <a:schemeClr val="bg1"/>
+            <a:srgbClr val="FFFFFF"/>
           </a:solidFill>
+          <a:ln w="25400" cap="flat" cmpd="sng" algn="ctr">
+            <a:solidFill>
+              <a:srgbClr val="0070C0"/>
+            </a:solidFill>
+            <a:prstDash val="solid"/>
+          </a:ln>
+          <a:effectLst>
+            <a:outerShdw blurRad="50800" dist="38100" dir="2700000" algn="tl" rotWithShape="0">
+              <a:prstClr val="black">
+                <a:alpha val="40000"/>
+              </a:prstClr>
+            </a:outerShdw>
+          </a:effectLst>
         </p:spPr>
         <p:txBody>
-          <a:bodyPr wrap="square" rtlCol="0">
-            <a:spAutoFit/>
-          </a:bodyPr>
+          <a:bodyPr/>
           <a:lstStyle/>
           <a:p>
-            <a:r>
-              <a:rPr lang="en-US" dirty="0" smtClean="0"/>
-              <a:t>Add screenshot of your solution in action!</a:t>
-            </a:r>
-            <a:endParaRPr lang="en-US" dirty="0"/>
+            <a:pPr marL="177800" lvl="0" indent="-177800" fontAlgn="base">
+              <a:spcBef>
+                <a:spcPct val="0"/>
+              </a:spcBef>
+              <a:spcAft>
+                <a:spcPct val="0"/>
+              </a:spcAft>
+              <a:buClr>
+                <a:srgbClr val="FB7303"/>
+              </a:buClr>
+              <a:buSzPct val="70000"/>
+              <a:defRPr/>
+            </a:pPr>
+            <a:r>
+              <a:rPr lang="en-US" sz="1200" b="1" kern="0" dirty="0" smtClean="0">
+                <a:solidFill>
+                  <a:srgbClr val="00B0F0"/>
+                </a:solidFill>
+              </a:rPr>
+              <a:t>Screenshots</a:t>
+            </a:r>
+            <a:endParaRPr lang="en-US" sz="1200" b="1" kern="0" dirty="0">
+              <a:solidFill>
+                <a:srgbClr val="00B0F0"/>
+              </a:solidFill>
+            </a:endParaRPr>
+          </a:p>
+          <a:p>
+            <a:pPr marL="177800" lvl="0" indent="-177800" fontAlgn="base">
+              <a:spcBef>
+                <a:spcPct val="0"/>
+              </a:spcBef>
+              <a:spcAft>
+                <a:spcPct val="0"/>
+              </a:spcAft>
+              <a:buClr>
+                <a:srgbClr val="FB7303"/>
+              </a:buClr>
+              <a:buSzPct val="70000"/>
+              <a:defRPr/>
+            </a:pPr>
+            <a:endParaRPr lang="en-GB" sz="800" b="1" kern="0" dirty="0">
+              <a:solidFill>
+                <a:srgbClr val="003399"/>
+              </a:solidFill>
+            </a:endParaRPr>
+          </a:p>
+          <a:p>
+            <a:pPr marL="177800" lvl="0" indent="-177800" fontAlgn="base">
+              <a:spcBef>
+                <a:spcPct val="0"/>
+              </a:spcBef>
+              <a:spcAft>
+                <a:spcPct val="0"/>
+              </a:spcAft>
+              <a:buClr>
+                <a:srgbClr val="FB7303"/>
+              </a:buClr>
+              <a:buSzPct val="70000"/>
+              <a:buFont typeface="Wingdings" panose="05000000000000000000" pitchFamily="2" charset="2"/>
+              <a:buChar char="§"/>
+              <a:defRPr/>
+            </a:pPr>
+            <a:r>
+              <a:rPr lang="en-US" sz="1600" b="1" kern="0" dirty="0" smtClean="0">
+                <a:solidFill>
+                  <a:srgbClr val="003399"/>
+                </a:solidFill>
+              </a:rPr>
+              <a:t>Chat Example 1</a:t>
+            </a:r>
+            <a:endParaRPr lang="en-US" sz="1600" b="1" kern="0" dirty="0">
+              <a:solidFill>
+                <a:srgbClr val="003399"/>
+              </a:solidFill>
+            </a:endParaRPr>
+          </a:p>
+          <a:p>
+            <a:pPr marL="177800" lvl="0" indent="-177800" fontAlgn="base">
+              <a:spcBef>
+                <a:spcPct val="0"/>
+              </a:spcBef>
+              <a:spcAft>
+                <a:spcPct val="0"/>
+              </a:spcAft>
+              <a:buClr>
+                <a:srgbClr val="FB7303"/>
+              </a:buClr>
+              <a:buSzPct val="70000"/>
+              <a:buFont typeface="Wingdings" panose="05000000000000000000" pitchFamily="2" charset="2"/>
+              <a:buChar char="§"/>
+              <a:defRPr/>
+            </a:pPr>
+            <a:endParaRPr lang="en-US" sz="1600" b="1" kern="0" dirty="0">
+              <a:solidFill>
+                <a:srgbClr val="003399"/>
+              </a:solidFill>
+            </a:endParaRPr>
+          </a:p>
+          <a:p>
+            <a:pPr marL="177800" lvl="0" indent="-177800" fontAlgn="base">
+              <a:spcBef>
+                <a:spcPct val="0"/>
+              </a:spcBef>
+              <a:spcAft>
+                <a:spcPct val="0"/>
+              </a:spcAft>
+              <a:buClr>
+                <a:srgbClr val="FB7303"/>
+              </a:buClr>
+              <a:buSzPct val="70000"/>
+              <a:buFont typeface="Wingdings" panose="05000000000000000000" pitchFamily="2" charset="2"/>
+              <a:buChar char="§"/>
+              <a:defRPr/>
+            </a:pPr>
+            <a:r>
+              <a:rPr lang="en-GB" sz="1600" b="1" kern="0" dirty="0" smtClean="0">
+                <a:solidFill>
+                  <a:srgbClr val="003399"/>
+                </a:solidFill>
+              </a:rPr>
+              <a:t>Ontology Example 1</a:t>
+            </a:r>
+            <a:endParaRPr lang="en-GB" sz="1600" b="1" kern="0" dirty="0">
+              <a:solidFill>
+                <a:srgbClr val="003399"/>
+              </a:solidFill>
+            </a:endParaRPr>
+          </a:p>
+          <a:p>
+            <a:pPr marL="177800" lvl="0" indent="-177800" fontAlgn="base">
+              <a:spcBef>
+                <a:spcPct val="0"/>
+              </a:spcBef>
+              <a:spcAft>
+                <a:spcPct val="0"/>
+              </a:spcAft>
+              <a:buClr>
+                <a:srgbClr val="FB7303"/>
+              </a:buClr>
+              <a:buSzPct val="70000"/>
+              <a:buFont typeface="Wingdings" panose="05000000000000000000" pitchFamily="2" charset="2"/>
+              <a:buChar char="§"/>
+              <a:defRPr/>
+            </a:pPr>
+            <a:endParaRPr lang="en-GB" sz="1600" b="1" kern="0" dirty="0">
+              <a:solidFill>
+                <a:srgbClr val="003399"/>
+              </a:solidFill>
+            </a:endParaRPr>
+          </a:p>
+          <a:p>
+            <a:pPr marL="177800" lvl="0" indent="-177800" fontAlgn="base">
+              <a:spcBef>
+                <a:spcPct val="0"/>
+              </a:spcBef>
+              <a:spcAft>
+                <a:spcPct val="0"/>
+              </a:spcAft>
+              <a:buClr>
+                <a:srgbClr val="FB7303"/>
+              </a:buClr>
+              <a:buSzPct val="70000"/>
+              <a:buFont typeface="Wingdings" panose="05000000000000000000" pitchFamily="2" charset="2"/>
+              <a:buChar char="§"/>
+              <a:defRPr/>
+            </a:pPr>
+            <a:r>
+              <a:rPr lang="en-GB" sz="1600" b="1" kern="0" dirty="0" smtClean="0">
+                <a:solidFill>
+                  <a:srgbClr val="003399"/>
+                </a:solidFill>
+              </a:rPr>
+              <a:t>Chat/Ontology Example 2</a:t>
+            </a:r>
+            <a:endParaRPr lang="en-US" sz="1600" b="1" kern="0" dirty="0">
+              <a:solidFill>
+                <a:srgbClr val="003399"/>
+              </a:solidFill>
+            </a:endParaRPr>
           </a:p>
         </p:txBody>
       </p:sp>
     </p:spTree>
     <p:extLst>
       <p:ext uri="{BB962C8B-B14F-4D97-AF65-F5344CB8AC3E}">
-        <p14:creationId xmlns:p14="http://schemas.microsoft.com/office/powerpoint/2010/main" val="4135920322"/>
+        <p14:creationId xmlns:p14="http://schemas.microsoft.com/office/powerpoint/2010/main" val="188017358"/>
       </p:ext>
     </p:extLst>
   </p:cSld>
@@ -5259,18 +5598,18 @@
     </p:spTree>
     <p:extLst>
       <p:ext uri="{BB962C8B-B14F-4D97-AF65-F5344CB8AC3E}">
-        <p14:creationId xmlns:p14="http://schemas.microsoft.com/office/powerpoint/2010/main" val="2239168270"/>
+        <p14:creationId xmlns:p14="http://schemas.microsoft.com/office/powerpoint/2010/main" val="1425271037"/>
       </p:ext>
     </p:extLst>
   </p:cSld>
   <p:clrMapOvr>
     <a:masterClrMapping/>
   </p:clrMapOvr>
-  <mc:AlternateContent xmlns:mc="http://schemas.openxmlformats.org/markup-compatibility/2006" xmlns:p14="http://schemas.microsoft.com/office/powerpoint/2010/main">
-    <mc:Choice Requires="p14">
+  <mc:AlternateContent xmlns:mc="http://schemas.openxmlformats.org/markup-compatibility/2006">
+    <mc:Choice xmlns:p14="http://schemas.microsoft.com/office/powerpoint/2010/main" Requires="p14">
       <p:transition spd="slow" p14:dur="2000"/>
     </mc:Choice>
-    <mc:Fallback xmlns="">
+    <mc:Fallback>
       <p:transition spd="slow"/>
     </mc:Fallback>
   </mc:AlternateContent>
@@ -5444,14 +5783,7 @@
                 <a:latin typeface="Arial" charset="0"/>
                 <a:cs typeface="Arial" charset="0"/>
               </a:rPr>
-              <a:t>Implementation </a:t>
-            </a:r>
-            <a:r>
-              <a:rPr lang="en-US" dirty="0" smtClean="0">
-                <a:latin typeface="Arial" charset="0"/>
-                <a:cs typeface="Arial" charset="0"/>
-              </a:rPr>
-              <a:t>Details</a:t>
+              <a:t>Semantic Ontology Solution Details</a:t>
             </a:r>
             <a:endParaRPr lang="en-US" dirty="0">
               <a:latin typeface="Arial" charset="0"/>
@@ -5468,8 +5800,8 @@
         </p:nvSpPr>
         <p:spPr>
           <a:xfrm>
-            <a:off x="609600" y="1104900"/>
-            <a:ext cx="7924800" cy="1754326"/>
+            <a:off x="609600" y="1171246"/>
+            <a:ext cx="7924800" cy="1477328"/>
           </a:xfrm>
           <a:prstGeom prst="rect">
             <a:avLst/>
@@ -5493,7 +5825,7 @@
           <a:p>
             <a:r>
               <a:rPr lang="en-US" dirty="0" smtClean="0"/>
-              <a:t>For example:  This code creates the response to send back to the user.  It is hardcoded to return “Not Implemented”.  It does not implement NLTK APIs or an algorithm.</a:t>
+              <a:t>For example:  This code utilizes the Web Ontology Language (OWL) to produce a semantic-based ontology classifying text based on .</a:t>
             </a:r>
             <a:endParaRPr lang="en-US" dirty="0"/>
           </a:p>
@@ -5501,9 +5833,9 @@
       </p:sp>
       <p:pic>
         <p:nvPicPr>
-          <p:cNvPr id="2050" name="5F85F7D0-018A-43FD-AF0A-9F949AD28C39" descr="C5836243-4A04-4B7B-8BE2-15E2F5EA6A84@0"/>
+          <p:cNvPr id="3" name="Picture 2"/>
           <p:cNvPicPr>
-            <a:picLocks noChangeAspect="1" noChangeArrowheads="1"/>
+            <a:picLocks noChangeAspect="1"/>
           </p:cNvPicPr>
           <p:nvPr/>
         </p:nvPicPr>
@@ -5515,59 +5847,45 @@
               </a:ext>
             </a:extLst>
           </a:blip>
-          <a:srcRect/>
           <a:stretch>
             <a:fillRect/>
           </a:stretch>
         </p:blipFill>
-        <p:spPr bwMode="auto">
+        <p:spPr>
           <a:xfrm>
-            <a:off x="609600" y="2859226"/>
-            <a:ext cx="6581775" cy="742950"/>
+            <a:off x="2024062" y="2781300"/>
+            <a:ext cx="5095875" cy="1895475"/>
           </a:xfrm>
           <a:prstGeom prst="rect">
             <a:avLst/>
           </a:prstGeom>
-          <a:noFill/>
           <a:ln>
             <a:noFill/>
           </a:ln>
-          <a:extLst>
-            <a:ext uri="{909E8E84-426E-40DD-AFC4-6F175D3DCCD1}">
-              <a14:hiddenFill xmlns:a14="http://schemas.microsoft.com/office/drawing/2010/main">
-                <a:solidFill>
-                  <a:srgbClr val="FFFFFF"/>
-                </a:solidFill>
-              </a14:hiddenFill>
-            </a:ext>
-            <a:ext uri="{91240B29-F687-4F45-9708-019B960494DF}">
-              <a14:hiddenLine xmlns:a14="http://schemas.microsoft.com/office/drawing/2010/main" w="9525">
-                <a:solidFill>
-                  <a:srgbClr val="000000"/>
-                </a:solidFill>
-                <a:miter lim="800000"/>
-                <a:headEnd/>
-                <a:tailEnd/>
-              </a14:hiddenLine>
-            </a:ext>
-          </a:extLst>
+          <a:effectLst>
+            <a:outerShdw blurRad="292100" dist="139700" dir="2700000" algn="tl" rotWithShape="0">
+              <a:srgbClr val="333333">
+                <a:alpha val="65000"/>
+              </a:srgbClr>
+            </a:outerShdw>
+          </a:effectLst>
         </p:spPr>
       </p:pic>
     </p:spTree>
     <p:extLst>
       <p:ext uri="{BB962C8B-B14F-4D97-AF65-F5344CB8AC3E}">
-        <p14:creationId xmlns:p14="http://schemas.microsoft.com/office/powerpoint/2010/main" val="3509944099"/>
+        <p14:creationId xmlns:p14="http://schemas.microsoft.com/office/powerpoint/2010/main" val="481274977"/>
       </p:ext>
     </p:extLst>
   </p:cSld>
   <p:clrMapOvr>
     <a:masterClrMapping/>
   </p:clrMapOvr>
-  <mc:AlternateContent xmlns:mc="http://schemas.openxmlformats.org/markup-compatibility/2006" xmlns:p14="http://schemas.microsoft.com/office/powerpoint/2010/main">
-    <mc:Choice Requires="p14">
+  <mc:AlternateContent xmlns:mc="http://schemas.openxmlformats.org/markup-compatibility/2006">
+    <mc:Choice xmlns:p14="http://schemas.microsoft.com/office/powerpoint/2010/main" Requires="p14">
       <p:transition spd="slow" p14:dur="2000"/>
     </mc:Choice>
-    <mc:Fallback xmlns="">
+    <mc:Fallback>
       <p:transition spd="slow"/>
     </mc:Fallback>
   </mc:AlternateContent>
@@ -5741,7 +6059,7 @@
                 <a:latin typeface="Arial" charset="0"/>
                 <a:cs typeface="Arial" charset="0"/>
               </a:rPr>
-              <a:t>Implementation Details</a:t>
+              <a:t>Chat Robot Solution Details</a:t>
             </a:r>
             <a:endParaRPr lang="en-US" dirty="0">
               <a:latin typeface="Arial" charset="0"/>
@@ -5812,16 +6130,22 @@
         </p:blipFill>
         <p:spPr bwMode="auto">
           <a:xfrm>
-            <a:off x="609600" y="2859226"/>
+            <a:off x="1281112" y="2859226"/>
             <a:ext cx="6581775" cy="742950"/>
           </a:xfrm>
           <a:prstGeom prst="rect">
             <a:avLst/>
           </a:prstGeom>
-          <a:noFill/>
           <a:ln>
             <a:noFill/>
           </a:ln>
+          <a:effectLst>
+            <a:outerShdw blurRad="292100" dist="139700" dir="2700000" algn="tl" rotWithShape="0">
+              <a:srgbClr val="333333">
+                <a:alpha val="65000"/>
+              </a:srgbClr>
+            </a:outerShdw>
+          </a:effectLst>
           <a:extLst>
             <a:ext uri="{909E8E84-426E-40DD-AFC4-6F175D3DCCD1}">
               <a14:hiddenFill xmlns:a14="http://schemas.microsoft.com/office/drawing/2010/main">
@@ -5846,18 +6170,18 @@
     </p:spTree>
     <p:extLst>
       <p:ext uri="{BB962C8B-B14F-4D97-AF65-F5344CB8AC3E}">
-        <p14:creationId xmlns:p14="http://schemas.microsoft.com/office/powerpoint/2010/main" val="1769199567"/>
+        <p14:creationId xmlns:p14="http://schemas.microsoft.com/office/powerpoint/2010/main" val="4205299143"/>
       </p:ext>
     </p:extLst>
   </p:cSld>
   <p:clrMapOvr>
     <a:masterClrMapping/>
   </p:clrMapOvr>
-  <mc:AlternateContent xmlns:mc="http://schemas.openxmlformats.org/markup-compatibility/2006" xmlns:p14="http://schemas.microsoft.com/office/powerpoint/2010/main">
-    <mc:Choice Requires="p14">
+  <mc:AlternateContent xmlns:mc="http://schemas.openxmlformats.org/markup-compatibility/2006">
+    <mc:Choice xmlns:p14="http://schemas.microsoft.com/office/powerpoint/2010/main" Requires="p14">
       <p:transition spd="slow" p14:dur="2000"/>
     </mc:Choice>
-    <mc:Fallback xmlns="">
+    <mc:Fallback>
       <p:transition spd="slow"/>
     </mc:Fallback>
   </mc:AlternateContent>
@@ -6142,18 +6466,18 @@
     </p:spTree>
     <p:extLst>
       <p:ext uri="{BB962C8B-B14F-4D97-AF65-F5344CB8AC3E}">
-        <p14:creationId xmlns:p14="http://schemas.microsoft.com/office/powerpoint/2010/main" val="211016289"/>
+        <p14:creationId xmlns:p14="http://schemas.microsoft.com/office/powerpoint/2010/main" val="1684792882"/>
       </p:ext>
     </p:extLst>
   </p:cSld>
   <p:clrMapOvr>
     <a:masterClrMapping/>
   </p:clrMapOvr>
-  <mc:AlternateContent xmlns:mc="http://schemas.openxmlformats.org/markup-compatibility/2006" xmlns:p14="http://schemas.microsoft.com/office/powerpoint/2010/main">
-    <mc:Choice Requires="p14">
+  <mc:AlternateContent xmlns:mc="http://schemas.openxmlformats.org/markup-compatibility/2006">
+    <mc:Choice xmlns:p14="http://schemas.microsoft.com/office/powerpoint/2010/main" Requires="p14">
       <p:transition spd="slow" p14:dur="2000"/>
     </mc:Choice>
-    <mc:Fallback xmlns="">
+    <mc:Fallback>
       <p:transition spd="slow"/>
     </mc:Fallback>
   </mc:AlternateContent>
@@ -6377,18 +6701,18 @@
     </p:spTree>
     <p:extLst>
       <p:ext uri="{BB962C8B-B14F-4D97-AF65-F5344CB8AC3E}">
-        <p14:creationId xmlns:p14="http://schemas.microsoft.com/office/powerpoint/2010/main" val="3980797914"/>
+        <p14:creationId xmlns:p14="http://schemas.microsoft.com/office/powerpoint/2010/main" val="396510854"/>
       </p:ext>
     </p:extLst>
   </p:cSld>
   <p:clrMapOvr>
     <a:masterClrMapping/>
   </p:clrMapOvr>
-  <mc:AlternateContent xmlns:mc="http://schemas.openxmlformats.org/markup-compatibility/2006" xmlns:p14="http://schemas.microsoft.com/office/powerpoint/2010/main">
-    <mc:Choice Requires="p14">
+  <mc:AlternateContent xmlns:mc="http://schemas.openxmlformats.org/markup-compatibility/2006">
+    <mc:Choice xmlns:p14="http://schemas.microsoft.com/office/powerpoint/2010/main" Requires="p14">
       <p:transition spd="slow" p14:dur="2000"/>
     </mc:Choice>
-    <mc:Fallback xmlns="">
+    <mc:Fallback>
       <p:transition spd="slow"/>
     </mc:Fallback>
   </mc:AlternateContent>
@@ -6399,6 +6723,172 @@
       </p:par>
     </p:tnLst>
   </p:timing>
+</p:sld>
+</file>
+
+<file path=ppt/slides/slide8.xml><?xml version="1.0" encoding="utf-8"?>
+<p:sld xmlns:a="http://schemas.openxmlformats.org/drawingml/2006/main" xmlns:r="http://schemas.openxmlformats.org/officeDocument/2006/relationships" xmlns:p="http://schemas.openxmlformats.org/presentationml/2006/main">
+  <p:cSld>
+    <p:spTree>
+      <p:nvGrpSpPr>
+        <p:cNvPr id="1" name=""/>
+        <p:cNvGrpSpPr/>
+        <p:nvPr/>
+      </p:nvGrpSpPr>
+      <p:grpSpPr>
+        <a:xfrm>
+          <a:off x="0" y="0"/>
+          <a:ext cx="0" cy="0"/>
+          <a:chOff x="0" y="0"/>
+          <a:chExt cx="0" cy="0"/>
+        </a:xfrm>
+      </p:grpSpPr>
+      <p:sp>
+        <p:nvSpPr>
+          <p:cNvPr id="2" name="Title 1"/>
+          <p:cNvSpPr>
+            <a:spLocks noGrp="1"/>
+          </p:cNvSpPr>
+          <p:nvPr>
+            <p:ph type="title"/>
+          </p:nvPr>
+        </p:nvSpPr>
+        <p:spPr/>
+        <p:txBody>
+          <a:bodyPr/>
+          <a:lstStyle/>
+          <a:p>
+            <a:r>
+              <a:rPr lang="en-US" dirty="0" smtClean="0"/>
+              <a:t>Logistics</a:t>
+            </a:r>
+            <a:endParaRPr lang="en-US" dirty="0"/>
+          </a:p>
+        </p:txBody>
+      </p:sp>
+      <p:sp>
+        <p:nvSpPr>
+          <p:cNvPr id="3" name="Content Placeholder 2"/>
+          <p:cNvSpPr>
+            <a:spLocks noGrp="1"/>
+          </p:cNvSpPr>
+          <p:nvPr>
+            <p:ph idx="1"/>
+          </p:nvPr>
+        </p:nvSpPr>
+        <p:spPr/>
+        <p:txBody>
+          <a:bodyPr/>
+          <a:lstStyle/>
+          <a:p>
+            <a:r>
+              <a:rPr lang="en-US" dirty="0" smtClean="0"/>
+              <a:t>Form teams of 2-5 people, come up with a unique team name</a:t>
+            </a:r>
+          </a:p>
+          <a:p>
+            <a:r>
+              <a:rPr lang="en-US" dirty="0" smtClean="0"/>
+              <a:t>Write your Name, Email address, </a:t>
+            </a:r>
+            <a:r>
+              <a:rPr lang="en-US" dirty="0" err="1" smtClean="0"/>
+              <a:t>GitHub</a:t>
+            </a:r>
+            <a:r>
+              <a:rPr lang="en-US" dirty="0" smtClean="0"/>
+              <a:t> Username and Team Name on the Registration form</a:t>
+            </a:r>
+          </a:p>
+          <a:p>
+            <a:pPr lvl="1"/>
+            <a:r>
+              <a:rPr lang="en-US" dirty="0" smtClean="0"/>
+              <a:t>Due by February 17</a:t>
+            </a:r>
+            <a:r>
+              <a:rPr lang="en-US" baseline="30000" dirty="0" smtClean="0"/>
+              <a:t>th</a:t>
+            </a:r>
+            <a:r>
+              <a:rPr lang="en-US" dirty="0" smtClean="0"/>
+              <a:t> </a:t>
+            </a:r>
+          </a:p>
+          <a:p>
+            <a:r>
+              <a:rPr lang="en-US" dirty="0" smtClean="0"/>
+              <a:t>Remote students – Email this information to </a:t>
+            </a:r>
+            <a:r>
+              <a:rPr lang="en-US" dirty="0" smtClean="0">
+                <a:hlinkClick r:id="rId3"/>
+              </a:rPr>
+              <a:t>Megan.Shaffer@allstate.com</a:t>
+            </a:r>
+            <a:r>
+              <a:rPr lang="en-US" dirty="0" smtClean="0"/>
+              <a:t>. </a:t>
+            </a:r>
+          </a:p>
+          <a:p>
+            <a:r>
+              <a:rPr lang="en-US" dirty="0" smtClean="0"/>
+              <a:t>As teams register, access will be granted to 1 of 20 available </a:t>
+            </a:r>
+            <a:r>
+              <a:rPr lang="en-US" dirty="0" err="1" smtClean="0"/>
+              <a:t>GitHub</a:t>
+            </a:r>
+            <a:r>
+              <a:rPr lang="en-US" dirty="0" smtClean="0"/>
+              <a:t> private repositories</a:t>
+            </a:r>
+          </a:p>
+          <a:p>
+            <a:r>
+              <a:rPr lang="en-US" dirty="0" smtClean="0"/>
+              <a:t>FAQ is at </a:t>
+            </a:r>
+            <a:r>
+              <a:rPr lang="en-US" u="sng" dirty="0">
+                <a:hlinkClick r:id="rId4"/>
+              </a:rPr>
+              <a:t>https://github.com/ASU-QUB-Challenge/FAQ/wiki</a:t>
+            </a:r>
+            <a:r>
+              <a:rPr lang="en-US" dirty="0"/>
+              <a:t> </a:t>
+            </a:r>
+            <a:endParaRPr lang="en-US" dirty="0" smtClean="0"/>
+          </a:p>
+          <a:p>
+            <a:pPr lvl="1"/>
+            <a:r>
+              <a:rPr lang="en-US" dirty="0" smtClean="0"/>
+              <a:t>Add a </a:t>
+            </a:r>
+            <a:r>
+              <a:rPr lang="en-US" dirty="0" err="1" smtClean="0"/>
+              <a:t>GitHub</a:t>
+            </a:r>
+            <a:r>
+              <a:rPr lang="en-US" dirty="0" smtClean="0"/>
+              <a:t> Issue if you have a question or problem and we will respond or post it on our wiki</a:t>
+            </a:r>
+          </a:p>
+        </p:txBody>
+      </p:sp>
+    </p:spTree>
+    <p:extLst>
+      <p:ext uri="{BB962C8B-B14F-4D97-AF65-F5344CB8AC3E}">
+        <p14:creationId xmlns:p14="http://schemas.microsoft.com/office/powerpoint/2010/main" val="727027244"/>
+      </p:ext>
+    </p:extLst>
+  </p:cSld>
+  <p:clrMapOvr>
+    <a:masterClrMapping/>
+  </p:clrMapOvr>
 </p:sld>
 </file>
 
@@ -6657,7 +7147,7 @@
   <a:extraClrSchemeLst/>
   <a:extLst>
     <a:ext uri="{05A4C25C-085E-4340-85A3-A5531E510DB2}">
-      <thm15:themeFamily xmlns:thm15="http://schemas.microsoft.com/office/thememl/2012/main" xmlns="" name="Office Theme" id="{62F939B6-93AF-4DB8-9C6B-D6C7DFDC589F}" vid="{4A3C46E8-61CC-4603-A589-7422A47A8E4A}"/>
+      <thm15:themeFamily xmlns:thm15="http://schemas.microsoft.com/office/thememl/2012/main" name="Office Theme" id="{62F939B6-93AF-4DB8-9C6B-D6C7DFDC589F}" vid="{4A3C46E8-61CC-4603-A589-7422A47A8E4A}"/>
     </a:ext>
   </a:extLst>
 </a:theme>
